--- a/Take-Home Project_AI-Powered Alcohol Label Verification App.pptx
+++ b/Take-Home Project_AI-Powered Alcohol Label Verification App.pptx
@@ -4314,8 +4314,23 @@
             </a:lnSpc>
           </a:pPr>
           <a:r>
-            <a:rPr lang="en-US"/>
-            <a:t>EasyOCR is only configured for English detection models.</a:t>
+            <a:rPr lang="en-US" dirty="0" err="1"/>
+            <a:t>EasyOCR</a:t>
+          </a:r>
+          <a:r>
+            <a:rPr lang="en-US" dirty="0"/>
+            <a:t> is only configured for English detection models.</a:t>
+          </a:r>
+        </a:p>
+        <a:p>
+          <a:pPr>
+            <a:lnSpc>
+              <a:spcPct val="100000"/>
+            </a:lnSpc>
+          </a:pPr>
+          <a:r>
+            <a:rPr lang="en-US" dirty="0"/>
+            <a:t>Ingestion of documents and images assumes that each document has already been reviewed and is its corresponding image is uploaded.</a:t>
           </a:r>
         </a:p>
       </dgm:t>
@@ -6472,8 +6487,8 @@
       </dsp:nvSpPr>
       <dsp:spPr>
         <a:xfrm>
-          <a:off x="967156" y="0"/>
-          <a:ext cx="1509048" cy="1382774"/>
+          <a:off x="962572" y="0"/>
+          <a:ext cx="1510523" cy="1102939"/>
         </a:xfrm>
         <a:prstGeom prst="rect">
           <a:avLst/>
@@ -6522,8 +6537,8 @@
       </dsp:nvSpPr>
       <dsp:spPr>
         <a:xfrm>
-          <a:off x="967156" y="1547817"/>
-          <a:ext cx="4311566" cy="592617"/>
+          <a:off x="962572" y="1234582"/>
+          <a:ext cx="4315781" cy="472688"/>
         </a:xfrm>
         <a:prstGeom prst="rect">
           <a:avLst/>
@@ -6552,7 +6567,7 @@
         </a:bodyPr>
         <a:lstStyle/>
         <a:p>
-          <a:pPr marL="0" lvl="0" indent="0" algn="l" defTabSz="1377950">
+          <a:pPr marL="0" lvl="0" indent="0" algn="l" defTabSz="1333500">
             <a:lnSpc>
               <a:spcPct val="100000"/>
             </a:lnSpc>
@@ -6566,15 +6581,15 @@
             <a:defRPr b="1"/>
           </a:pPr>
           <a:r>
-            <a:rPr lang="en-US" sz="3100" b="1" kern="1200"/>
+            <a:rPr lang="en-US" sz="3000" b="1" kern="1200"/>
             <a:t>Limitations</a:t>
           </a:r>
-          <a:endParaRPr lang="en-US" sz="3100" kern="1200"/>
+          <a:endParaRPr lang="en-US" sz="3000" kern="1200"/>
         </a:p>
       </dsp:txBody>
       <dsp:txXfrm>
-        <a:off x="967156" y="1547817"/>
-        <a:ext cx="4311566" cy="592617"/>
+        <a:off x="962572" y="1234582"/>
+        <a:ext cx="4315781" cy="472688"/>
       </dsp:txXfrm>
     </dsp:sp>
     <dsp:sp modelId="{79FF024F-1E19-4DC1-B466-F373FBF64661}">
@@ -6584,8 +6599,8 @@
       </dsp:nvSpPr>
       <dsp:spPr>
         <a:xfrm>
-          <a:off x="967156" y="2217199"/>
-          <a:ext cx="4311566" cy="1975605"/>
+          <a:off x="962572" y="1768500"/>
+          <a:ext cx="4315781" cy="2424304"/>
         </a:xfrm>
         <a:prstGeom prst="rect">
           <a:avLst/>
@@ -6681,14 +6696,36 @@
             <a:buNone/>
           </a:pPr>
           <a:r>
-            <a:rPr lang="en-US" sz="1700" kern="1200"/>
-            <a:t>EasyOCR is only configured for English detection models.</a:t>
+            <a:rPr lang="en-US" sz="1700" kern="1200" dirty="0" err="1"/>
+            <a:t>EasyOCR</a:t>
+          </a:r>
+          <a:r>
+            <a:rPr lang="en-US" sz="1700" kern="1200" dirty="0"/>
+            <a:t> is only configured for English detection models.</a:t>
+          </a:r>
+        </a:p>
+        <a:p>
+          <a:pPr marL="0" lvl="0" indent="0" algn="l" defTabSz="755650">
+            <a:lnSpc>
+              <a:spcPct val="100000"/>
+            </a:lnSpc>
+            <a:spcBef>
+              <a:spcPct val="0"/>
+            </a:spcBef>
+            <a:spcAft>
+              <a:spcPct val="35000"/>
+            </a:spcAft>
+            <a:buNone/>
+          </a:pPr>
+          <a:r>
+            <a:rPr lang="en-US" sz="1700" kern="1200" dirty="0"/>
+            <a:t>Ingestion of documents and images assumes that each document has already been reviewed and is its corresponding image is uploaded.</a:t>
           </a:r>
         </a:p>
       </dsp:txBody>
       <dsp:txXfrm>
-        <a:off x="967156" y="2217199"/>
-        <a:ext cx="4311566" cy="1975605"/>
+        <a:off x="962572" y="1768500"/>
+        <a:ext cx="4315781" cy="2424304"/>
       </dsp:txXfrm>
     </dsp:sp>
     <dsp:sp modelId="{8137196B-1B0C-4049-995A-502DACD1600D}">
@@ -6698,8 +6735,8 @@
       </dsp:nvSpPr>
       <dsp:spPr>
         <a:xfrm>
-          <a:off x="6033247" y="0"/>
-          <a:ext cx="1509048" cy="1382774"/>
+          <a:off x="6033615" y="0"/>
+          <a:ext cx="1510523" cy="1102939"/>
         </a:xfrm>
         <a:prstGeom prst="rect">
           <a:avLst/>
@@ -6748,8 +6785,8 @@
       </dsp:nvSpPr>
       <dsp:spPr>
         <a:xfrm>
-          <a:off x="6033247" y="1547817"/>
-          <a:ext cx="4311566" cy="592617"/>
+          <a:off x="6033615" y="1234582"/>
+          <a:ext cx="4315781" cy="472688"/>
         </a:xfrm>
         <a:prstGeom prst="rect">
           <a:avLst/>
@@ -6778,7 +6815,7 @@
         </a:bodyPr>
         <a:lstStyle/>
         <a:p>
-          <a:pPr marL="0" lvl="0" indent="0" algn="l" defTabSz="1377950">
+          <a:pPr marL="0" lvl="0" indent="0" algn="l" defTabSz="1333500">
             <a:lnSpc>
               <a:spcPct val="100000"/>
             </a:lnSpc>
@@ -6792,15 +6829,15 @@
             <a:defRPr b="1"/>
           </a:pPr>
           <a:r>
-            <a:rPr lang="en-US" sz="3100" b="1" kern="1200" dirty="0"/>
+            <a:rPr lang="en-US" sz="3000" b="1" kern="1200" dirty="0"/>
             <a:t>Next Steps / Action Plan</a:t>
           </a:r>
-          <a:endParaRPr lang="en-US" sz="3100" kern="1200" dirty="0"/>
+          <a:endParaRPr lang="en-US" sz="3000" kern="1200" dirty="0"/>
         </a:p>
       </dsp:txBody>
       <dsp:txXfrm>
-        <a:off x="6033247" y="1547817"/>
-        <a:ext cx="4311566" cy="592617"/>
+        <a:off x="6033615" y="1234582"/>
+        <a:ext cx="4315781" cy="472688"/>
       </dsp:txXfrm>
     </dsp:sp>
     <dsp:sp modelId="{B5B87209-E5FD-4D09-8FD4-3065B019AB4D}">
@@ -6810,8 +6847,8 @@
       </dsp:nvSpPr>
       <dsp:spPr>
         <a:xfrm>
-          <a:off x="6013586" y="2217199"/>
-          <a:ext cx="4311566" cy="1975605"/>
+          <a:off x="6013935" y="1768500"/>
+          <a:ext cx="4315781" cy="2424304"/>
         </a:xfrm>
         <a:prstGeom prst="rect">
           <a:avLst/>
@@ -6895,8 +6932,8 @@
         </a:p>
       </dsp:txBody>
       <dsp:txXfrm>
-        <a:off x="6013586" y="2217199"/>
-        <a:ext cx="4311566" cy="1975605"/>
+        <a:off x="6013935" y="1768500"/>
+        <a:ext cx="4315781" cy="2424304"/>
       </dsp:txXfrm>
     </dsp:sp>
   </dsp:spTree>
@@ -13442,7 +13479,7 @@
           <a:p>
             <a:fld id="{593DF8FB-BD21-4AAF-893D-5BDC45949FF6}" type="datetimeFigureOut">
               <a:rPr lang="en-US" smtClean="0"/>
-              <a:t>2/24/2026</a:t>
+              <a:t>2/25/2026</a:t>
             </a:fld>
             <a:endParaRPr lang="en-US"/>
           </a:p>
@@ -13640,7 +13677,7 @@
           <a:p>
             <a:fld id="{593DF8FB-BD21-4AAF-893D-5BDC45949FF6}" type="datetimeFigureOut">
               <a:rPr lang="en-US" smtClean="0"/>
-              <a:t>2/24/2026</a:t>
+              <a:t>2/25/2026</a:t>
             </a:fld>
             <a:endParaRPr lang="en-US"/>
           </a:p>
@@ -13848,7 +13885,7 @@
           <a:p>
             <a:fld id="{593DF8FB-BD21-4AAF-893D-5BDC45949FF6}" type="datetimeFigureOut">
               <a:rPr lang="en-US" smtClean="0"/>
-              <a:t>2/24/2026</a:t>
+              <a:t>2/25/2026</a:t>
             </a:fld>
             <a:endParaRPr lang="en-US"/>
           </a:p>
@@ -14046,7 +14083,7 @@
           <a:p>
             <a:fld id="{593DF8FB-BD21-4AAF-893D-5BDC45949FF6}" type="datetimeFigureOut">
               <a:rPr lang="en-US" smtClean="0"/>
-              <a:t>2/24/2026</a:t>
+              <a:t>2/25/2026</a:t>
             </a:fld>
             <a:endParaRPr lang="en-US"/>
           </a:p>
@@ -14321,7 +14358,7 @@
           <a:p>
             <a:fld id="{593DF8FB-BD21-4AAF-893D-5BDC45949FF6}" type="datetimeFigureOut">
               <a:rPr lang="en-US" smtClean="0"/>
-              <a:t>2/24/2026</a:t>
+              <a:t>2/25/2026</a:t>
             </a:fld>
             <a:endParaRPr lang="en-US"/>
           </a:p>
@@ -14586,7 +14623,7 @@
           <a:p>
             <a:fld id="{593DF8FB-BD21-4AAF-893D-5BDC45949FF6}" type="datetimeFigureOut">
               <a:rPr lang="en-US" smtClean="0"/>
-              <a:t>2/24/2026</a:t>
+              <a:t>2/25/2026</a:t>
             </a:fld>
             <a:endParaRPr lang="en-US"/>
           </a:p>
@@ -14998,7 +15035,7 @@
           <a:p>
             <a:fld id="{593DF8FB-BD21-4AAF-893D-5BDC45949FF6}" type="datetimeFigureOut">
               <a:rPr lang="en-US" smtClean="0"/>
-              <a:t>2/24/2026</a:t>
+              <a:t>2/25/2026</a:t>
             </a:fld>
             <a:endParaRPr lang="en-US"/>
           </a:p>
@@ -15139,7 +15176,7 @@
           <a:p>
             <a:fld id="{593DF8FB-BD21-4AAF-893D-5BDC45949FF6}" type="datetimeFigureOut">
               <a:rPr lang="en-US" smtClean="0"/>
-              <a:t>2/24/2026</a:t>
+              <a:t>2/25/2026</a:t>
             </a:fld>
             <a:endParaRPr lang="en-US"/>
           </a:p>
@@ -15252,7 +15289,7 @@
           <a:p>
             <a:fld id="{593DF8FB-BD21-4AAF-893D-5BDC45949FF6}" type="datetimeFigureOut">
               <a:rPr lang="en-US" smtClean="0"/>
-              <a:t>2/24/2026</a:t>
+              <a:t>2/25/2026</a:t>
             </a:fld>
             <a:endParaRPr lang="en-US"/>
           </a:p>
@@ -15563,7 +15600,7 @@
           <a:p>
             <a:fld id="{593DF8FB-BD21-4AAF-893D-5BDC45949FF6}" type="datetimeFigureOut">
               <a:rPr lang="en-US" smtClean="0"/>
-              <a:t>2/24/2026</a:t>
+              <a:t>2/25/2026</a:t>
             </a:fld>
             <a:endParaRPr lang="en-US"/>
           </a:p>
@@ -15851,7 +15888,7 @@
           <a:p>
             <a:fld id="{593DF8FB-BD21-4AAF-893D-5BDC45949FF6}" type="datetimeFigureOut">
               <a:rPr lang="en-US" smtClean="0"/>
-              <a:t>2/24/2026</a:t>
+              <a:t>2/25/2026</a:t>
             </a:fld>
             <a:endParaRPr lang="en-US"/>
           </a:p>
@@ -16092,7 +16129,7 @@
           <a:p>
             <a:fld id="{593DF8FB-BD21-4AAF-893D-5BDC45949FF6}" type="datetimeFigureOut">
               <a:rPr lang="en-US" smtClean="0"/>
-              <a:t>2/24/2026</a:t>
+              <a:t>2/25/2026</a:t>
             </a:fld>
             <a:endParaRPr lang="en-US"/>
           </a:p>
@@ -19523,7 +19560,7 @@
         <p:spPr>
           <a:xfrm>
             <a:off x="9668752" y="893539"/>
-            <a:ext cx="1609993" cy="369332"/>
+            <a:ext cx="1547924" cy="369332"/>
           </a:xfrm>
           <a:prstGeom prst="rect">
             <a:avLst/>
@@ -19538,7 +19575,7 @@
           <a:p>
             <a:r>
               <a:rPr lang="en-US" dirty="0"/>
-              <a:t>rag_system.py</a:t>
+              <a:t>lib_system.py</a:t>
             </a:r>
           </a:p>
         </p:txBody>
@@ -20282,13 +20319,13 @@
             <p:ph idx="1"/>
             <p:extLst>
               <p:ext uri="{D42A27DB-BD31-4B8C-83A1-F6EECF244321}">
-                <p14:modId xmlns:p14="http://schemas.microsoft.com/office/powerpoint/2010/main" val="1166227881"/>
+                <p14:modId xmlns:p14="http://schemas.microsoft.com/office/powerpoint/2010/main" val="547592660"/>
               </p:ext>
             </p:extLst>
           </p:nvPr>
         </p:nvGraphicFramePr>
         <p:xfrm>
-          <a:off x="644056" y="2112579"/>
+          <a:off x="440015" y="1575459"/>
           <a:ext cx="11311970" cy="4192805"/>
         </p:xfrm>
         <a:graphic>
